--- a/Documents/文字資料探勘概念簡介.pptx
+++ b/Documents/文字資料探勘概念簡介.pptx
@@ -162,7 +162,7 @@
   </p:defaultTextStyle>
   <p:extLst>
     <p:ext uri="{EFAFB233-063F-42B5-8137-9DF3F51BA10A}">
-      <p15:sldGuideLst xmlns="" xmlns:p15="http://schemas.microsoft.com/office/powerpoint/2012/main">
+      <p15:sldGuideLst xmlns:p15="http://schemas.microsoft.com/office/powerpoint/2012/main" xmlns="">
         <p15:guide id="1" orient="horz" pos="2160">
           <p15:clr>
             <a:srgbClr val="A4A3A4"/>
@@ -406,7 +406,7 @@
     </p:spTree>
     <p:extLst>
       <p:ext uri="{BB962C8B-B14F-4D97-AF65-F5344CB8AC3E}">
-        <p14:creationId xmlns="" xmlns:p14="http://schemas.microsoft.com/office/powerpoint/2010/main" val="3534361428"/>
+        <p14:creationId xmlns:p14="http://schemas.microsoft.com/office/powerpoint/2010/main" xmlns="" val="3534361428"/>
       </p:ext>
     </p:extLst>
   </p:cSld>
@@ -564,7 +564,7 @@
           </a:ln>
           <a:extLst>
             <a:ext uri="{909E8E84-426E-40DD-AFC4-6F175D3DCCD1}">
-              <a14:hiddenFill xmlns="" xmlns:a14="http://schemas.microsoft.com/office/drawing/2010/main">
+              <a14:hiddenFill xmlns:a14="http://schemas.microsoft.com/office/drawing/2010/main" xmlns="">
                 <a:solidFill>
                   <a:srgbClr val="FFFFFF"/>
                 </a:solidFill>
@@ -750,7 +750,7 @@
     </p:spTree>
     <p:extLst>
       <p:ext uri="{BB962C8B-B14F-4D97-AF65-F5344CB8AC3E}">
-        <p14:creationId xmlns="" xmlns:p14="http://schemas.microsoft.com/office/powerpoint/2010/main" val="4232097199"/>
+        <p14:creationId xmlns:p14="http://schemas.microsoft.com/office/powerpoint/2010/main" xmlns="" val="4232097199"/>
       </p:ext>
     </p:extLst>
   </p:cSld>
@@ -912,14 +912,14 @@
           <a:ln/>
           <a:extLst>
             <a:ext uri="{909E8E84-426E-40DD-AFC4-6F175D3DCCD1}">
-              <a14:hiddenFill xmlns="" xmlns:a14="http://schemas.microsoft.com/office/drawing/2010/main">
+              <a14:hiddenFill xmlns:a14="http://schemas.microsoft.com/office/drawing/2010/main" xmlns="">
                 <a:solidFill>
                   <a:srgbClr val="FFFFFF"/>
                 </a:solidFill>
               </a14:hiddenFill>
             </a:ext>
             <a:ext uri="{91240B29-F687-4F45-9708-019B960494DF}">
-              <a14:hiddenLine xmlns="" xmlns:a14="http://schemas.microsoft.com/office/drawing/2010/main" w="9525">
+              <a14:hiddenLine xmlns:a14="http://schemas.microsoft.com/office/drawing/2010/main" xmlns="" w="9525">
                 <a:solidFill>
                   <a:srgbClr val="000000"/>
                 </a:solidFill>
@@ -1082,14 +1082,14 @@
           <a:ln/>
           <a:extLst>
             <a:ext uri="{909E8E84-426E-40DD-AFC4-6F175D3DCCD1}">
-              <a14:hiddenFill xmlns="" xmlns:a14="http://schemas.microsoft.com/office/drawing/2010/main">
+              <a14:hiddenFill xmlns:a14="http://schemas.microsoft.com/office/drawing/2010/main" xmlns="">
                 <a:solidFill>
                   <a:srgbClr val="FFFFFF"/>
                 </a:solidFill>
               </a14:hiddenFill>
             </a:ext>
             <a:ext uri="{91240B29-F687-4F45-9708-019B960494DF}">
-              <a14:hiddenLine xmlns="" xmlns:a14="http://schemas.microsoft.com/office/drawing/2010/main" w="9525">
+              <a14:hiddenLine xmlns:a14="http://schemas.microsoft.com/office/drawing/2010/main" xmlns="" w="9525">
                 <a:solidFill>
                   <a:srgbClr val="000000"/>
                 </a:solidFill>
@@ -1112,7 +1112,7 @@
     </p:spTree>
     <p:extLst>
       <p:ext uri="{BB962C8B-B14F-4D97-AF65-F5344CB8AC3E}">
-        <p14:creationId xmlns="" xmlns:p14="http://schemas.microsoft.com/office/powerpoint/2010/main" val="4154305788"/>
+        <p14:creationId xmlns:p14="http://schemas.microsoft.com/office/powerpoint/2010/main" xmlns="" val="4154305788"/>
       </p:ext>
     </p:extLst>
   </p:cSld>
@@ -1195,7 +1195,7 @@
               </a:ln>
               <a:extLst>
                 <a:ext uri="{91240B29-F687-4F45-9708-019B960494DF}">
-                  <a14:hiddenLine xmlns="" xmlns:a14="http://schemas.microsoft.com/office/drawing/2010/main" w="9525">
+                  <a14:hiddenLine xmlns:a14="http://schemas.microsoft.com/office/drawing/2010/main" xmlns="" w="9525">
                     <a:solidFill>
                       <a:srgbClr val="000000"/>
                     </a:solidFill>
@@ -1355,7 +1355,7 @@
               </a:ln>
               <a:extLst>
                 <a:ext uri="{91240B29-F687-4F45-9708-019B960494DF}">
-                  <a14:hiddenLine xmlns="" xmlns:a14="http://schemas.microsoft.com/office/drawing/2010/main" w="9525">
+                  <a14:hiddenLine xmlns:a14="http://schemas.microsoft.com/office/drawing/2010/main" xmlns="" w="9525">
                     <a:solidFill>
                       <a:srgbClr val="000000"/>
                     </a:solidFill>
@@ -1524,7 +1524,7 @@
               </a:ln>
               <a:extLst>
                 <a:ext uri="{91240B29-F687-4F45-9708-019B960494DF}">
-                  <a14:hiddenLine xmlns="" xmlns:a14="http://schemas.microsoft.com/office/drawing/2010/main" w="9525">
+                  <a14:hiddenLine xmlns:a14="http://schemas.microsoft.com/office/drawing/2010/main" xmlns="" w="9525">
                     <a:solidFill>
                       <a:srgbClr val="000000"/>
                     </a:solidFill>
@@ -1684,7 +1684,7 @@
               </a:ln>
               <a:extLst>
                 <a:ext uri="{91240B29-F687-4F45-9708-019B960494DF}">
-                  <a14:hiddenLine xmlns="" xmlns:a14="http://schemas.microsoft.com/office/drawing/2010/main" w="9525">
+                  <a14:hiddenLine xmlns:a14="http://schemas.microsoft.com/office/drawing/2010/main" xmlns="" w="9525">
                     <a:solidFill>
                       <a:srgbClr val="000000"/>
                     </a:solidFill>
@@ -1845,7 +1845,7 @@
             </a:ln>
             <a:extLst>
               <a:ext uri="{91240B29-F687-4F45-9708-019B960494DF}">
-                <a14:hiddenLine xmlns="" xmlns:a14="http://schemas.microsoft.com/office/drawing/2010/main" w="9525">
+                <a14:hiddenLine xmlns:a14="http://schemas.microsoft.com/office/drawing/2010/main" xmlns="" w="9525">
                   <a:solidFill>
                     <a:srgbClr val="000000"/>
                   </a:solidFill>
@@ -1997,7 +1997,7 @@
             </a:ln>
             <a:extLst>
               <a:ext uri="{91240B29-F687-4F45-9708-019B960494DF}">
-                <a14:hiddenLine xmlns="" xmlns:a14="http://schemas.microsoft.com/office/drawing/2010/main" w="9525">
+                <a14:hiddenLine xmlns:a14="http://schemas.microsoft.com/office/drawing/2010/main" xmlns="" w="9525">
                   <a:solidFill>
                     <a:srgbClr val="000000"/>
                   </a:solidFill>
@@ -2157,7 +2157,7 @@
             </a:ln>
             <a:extLst>
               <a:ext uri="{91240B29-F687-4F45-9708-019B960494DF}">
-                <a14:hiddenLine xmlns="" xmlns:a14="http://schemas.microsoft.com/office/drawing/2010/main" w="9525">
+                <a14:hiddenLine xmlns:a14="http://schemas.microsoft.com/office/drawing/2010/main" xmlns="" w="9525">
                   <a:solidFill>
                     <a:srgbClr val="000000"/>
                   </a:solidFill>
@@ -2465,7 +2465,7 @@
     </p:spTree>
     <p:extLst>
       <p:ext uri="{BB962C8B-B14F-4D97-AF65-F5344CB8AC3E}">
-        <p14:creationId xmlns="" xmlns:p14="http://schemas.microsoft.com/office/powerpoint/2010/main" val="646740004"/>
+        <p14:creationId xmlns:p14="http://schemas.microsoft.com/office/powerpoint/2010/main" xmlns="" val="646740004"/>
       </p:ext>
     </p:extLst>
   </p:cSld>
@@ -2655,7 +2655,7 @@
     </p:spTree>
     <p:extLst>
       <p:ext uri="{BB962C8B-B14F-4D97-AF65-F5344CB8AC3E}">
-        <p14:creationId xmlns="" xmlns:p14="http://schemas.microsoft.com/office/powerpoint/2010/main" val="2746912363"/>
+        <p14:creationId xmlns:p14="http://schemas.microsoft.com/office/powerpoint/2010/main" xmlns="" val="2746912363"/>
       </p:ext>
     </p:extLst>
   </p:cSld>
@@ -2855,7 +2855,7 @@
     </p:spTree>
     <p:extLst>
       <p:ext uri="{BB962C8B-B14F-4D97-AF65-F5344CB8AC3E}">
-        <p14:creationId xmlns="" xmlns:p14="http://schemas.microsoft.com/office/powerpoint/2010/main" val="694233842"/>
+        <p14:creationId xmlns:p14="http://schemas.microsoft.com/office/powerpoint/2010/main" xmlns="" val="694233842"/>
       </p:ext>
     </p:extLst>
   </p:cSld>
@@ -3051,7 +3051,7 @@
     </p:spTree>
     <p:extLst>
       <p:ext uri="{BB962C8B-B14F-4D97-AF65-F5344CB8AC3E}">
-        <p14:creationId xmlns="" xmlns:p14="http://schemas.microsoft.com/office/powerpoint/2010/main" val="1932370354"/>
+        <p14:creationId xmlns:p14="http://schemas.microsoft.com/office/powerpoint/2010/main" xmlns="" val="1932370354"/>
       </p:ext>
     </p:extLst>
   </p:cSld>
@@ -3263,7 +3263,7 @@
     </p:spTree>
     <p:extLst>
       <p:ext uri="{BB962C8B-B14F-4D97-AF65-F5344CB8AC3E}">
-        <p14:creationId xmlns="" xmlns:p14="http://schemas.microsoft.com/office/powerpoint/2010/main" val="155162248"/>
+        <p14:creationId xmlns:p14="http://schemas.microsoft.com/office/powerpoint/2010/main" xmlns="" val="155162248"/>
       </p:ext>
     </p:extLst>
   </p:cSld>
@@ -3577,7 +3577,7 @@
     </p:spTree>
     <p:extLst>
       <p:ext uri="{BB962C8B-B14F-4D97-AF65-F5344CB8AC3E}">
-        <p14:creationId xmlns="" xmlns:p14="http://schemas.microsoft.com/office/powerpoint/2010/main" val="962391426"/>
+        <p14:creationId xmlns:p14="http://schemas.microsoft.com/office/powerpoint/2010/main" xmlns="" val="962391426"/>
       </p:ext>
     </p:extLst>
   </p:cSld>
@@ -4024,7 +4024,7 @@
     </p:spTree>
     <p:extLst>
       <p:ext uri="{BB962C8B-B14F-4D97-AF65-F5344CB8AC3E}">
-        <p14:creationId xmlns="" xmlns:p14="http://schemas.microsoft.com/office/powerpoint/2010/main" val="3005537217"/>
+        <p14:creationId xmlns:p14="http://schemas.microsoft.com/office/powerpoint/2010/main" xmlns="" val="3005537217"/>
       </p:ext>
     </p:extLst>
   </p:cSld>
@@ -4168,7 +4168,7 @@
     </p:spTree>
     <p:extLst>
       <p:ext uri="{BB962C8B-B14F-4D97-AF65-F5344CB8AC3E}">
-        <p14:creationId xmlns="" xmlns:p14="http://schemas.microsoft.com/office/powerpoint/2010/main" val="3677782897"/>
+        <p14:creationId xmlns:p14="http://schemas.microsoft.com/office/powerpoint/2010/main" xmlns="" val="3677782897"/>
       </p:ext>
     </p:extLst>
   </p:cSld>
@@ -4287,7 +4287,7 @@
     </p:spTree>
     <p:extLst>
       <p:ext uri="{BB962C8B-B14F-4D97-AF65-F5344CB8AC3E}">
-        <p14:creationId xmlns="" xmlns:p14="http://schemas.microsoft.com/office/powerpoint/2010/main" val="3665590398"/>
+        <p14:creationId xmlns:p14="http://schemas.microsoft.com/office/powerpoint/2010/main" xmlns="" val="3665590398"/>
       </p:ext>
     </p:extLst>
   </p:cSld>
@@ -4584,7 +4584,7 @@
     </p:spTree>
     <p:extLst>
       <p:ext uri="{BB962C8B-B14F-4D97-AF65-F5344CB8AC3E}">
-        <p14:creationId xmlns="" xmlns:p14="http://schemas.microsoft.com/office/powerpoint/2010/main" val="1855942893"/>
+        <p14:creationId xmlns:p14="http://schemas.microsoft.com/office/powerpoint/2010/main" xmlns="" val="1855942893"/>
       </p:ext>
     </p:extLst>
   </p:cSld>
@@ -4858,7 +4858,7 @@
     </p:spTree>
     <p:extLst>
       <p:ext uri="{BB962C8B-B14F-4D97-AF65-F5344CB8AC3E}">
-        <p14:creationId xmlns="" xmlns:p14="http://schemas.microsoft.com/office/powerpoint/2010/main" val="3308493394"/>
+        <p14:creationId xmlns:p14="http://schemas.microsoft.com/office/powerpoint/2010/main" xmlns="" val="3308493394"/>
       </p:ext>
     </p:extLst>
   </p:cSld>
@@ -4925,7 +4925,7 @@
           </a:ln>
           <a:extLst>
             <a:ext uri="{91240B29-F687-4F45-9708-019B960494DF}">
-              <a14:hiddenLine xmlns="" xmlns:a14="http://schemas.microsoft.com/office/drawing/2010/main" w="9525">
+              <a14:hiddenLine xmlns:a14="http://schemas.microsoft.com/office/drawing/2010/main" xmlns="" w="9525">
                 <a:solidFill>
                   <a:srgbClr val="000000"/>
                 </a:solidFill>
@@ -5077,14 +5077,14 @@
           </a:ln>
           <a:extLst>
             <a:ext uri="{909E8E84-426E-40DD-AFC4-6F175D3DCCD1}">
-              <a14:hiddenFill xmlns="" xmlns:a14="http://schemas.microsoft.com/office/drawing/2010/main">
+              <a14:hiddenFill xmlns:a14="http://schemas.microsoft.com/office/drawing/2010/main" xmlns="">
                 <a:solidFill>
                   <a:srgbClr val="FFFFFF"/>
                 </a:solidFill>
               </a14:hiddenFill>
             </a:ext>
             <a:ext uri="{91240B29-F687-4F45-9708-019B960494DF}">
-              <a14:hiddenLine xmlns="" xmlns:a14="http://schemas.microsoft.com/office/drawing/2010/main" w="9525">
+              <a14:hiddenLine xmlns:a14="http://schemas.microsoft.com/office/drawing/2010/main" xmlns="" w="9525">
                 <a:solidFill>
                   <a:srgbClr val="000000"/>
                 </a:solidFill>
@@ -5135,14 +5135,14 @@
           </a:ln>
           <a:extLst>
             <a:ext uri="{909E8E84-426E-40DD-AFC4-6F175D3DCCD1}">
-              <a14:hiddenFill xmlns="" xmlns:a14="http://schemas.microsoft.com/office/drawing/2010/main">
+              <a14:hiddenFill xmlns:a14="http://schemas.microsoft.com/office/drawing/2010/main" xmlns="">
                 <a:solidFill>
                   <a:srgbClr val="FFFFFF"/>
                 </a:solidFill>
               </a14:hiddenFill>
             </a:ext>
             <a:ext uri="{91240B29-F687-4F45-9708-019B960494DF}">
-              <a14:hiddenLine xmlns="" xmlns:a14="http://schemas.microsoft.com/office/drawing/2010/main" w="9525">
+              <a14:hiddenLine xmlns:a14="http://schemas.microsoft.com/office/drawing/2010/main" xmlns="" w="9525">
                 <a:solidFill>
                   <a:srgbClr val="000000"/>
                 </a:solidFill>
@@ -5913,7 +5913,6 @@
               <a:rPr lang="en-US" altLang="zh-TW" sz="2800" dirty="0" smtClean="0"/>
               <a:t>)</a:t>
             </a:r>
-            <a:endParaRPr lang="en-US" altLang="zh-TW" sz="2800" dirty="0" smtClean="0"/>
           </a:p>
         </p:txBody>
       </p:sp>
@@ -5939,14 +5938,14 @@
           </a:ln>
           <a:extLst>
             <a:ext uri="{909E8E84-426E-40DD-AFC4-6F175D3DCCD1}">
-              <a14:hiddenFill xmlns="" xmlns:a14="http://schemas.microsoft.com/office/drawing/2010/main">
+              <a14:hiddenFill xmlns:a14="http://schemas.microsoft.com/office/drawing/2010/main" xmlns="">
                 <a:solidFill>
                   <a:srgbClr val="FFFFFF"/>
                 </a:solidFill>
               </a14:hiddenFill>
             </a:ext>
             <a:ext uri="{91240B29-F687-4F45-9708-019B960494DF}">
-              <a14:hiddenLine xmlns="" xmlns:a14="http://schemas.microsoft.com/office/drawing/2010/main" w="9525">
+              <a14:hiddenLine xmlns:a14="http://schemas.microsoft.com/office/drawing/2010/main" xmlns="" w="9525">
                 <a:solidFill>
                   <a:srgbClr val="000000"/>
                 </a:solidFill>
@@ -6895,14 +6894,14 @@
           </a:ln>
           <a:extLst>
             <a:ext uri="{909E8E84-426E-40DD-AFC4-6F175D3DCCD1}">
-              <a14:hiddenFill xmlns="" xmlns:a14="http://schemas.microsoft.com/office/drawing/2010/main">
+              <a14:hiddenFill xmlns:a14="http://schemas.microsoft.com/office/drawing/2010/main" xmlns="">
                 <a:solidFill>
                   <a:srgbClr val="FFFFFF"/>
                 </a:solidFill>
               </a14:hiddenFill>
             </a:ext>
             <a:ext uri="{91240B29-F687-4F45-9708-019B960494DF}">
-              <a14:hiddenLine xmlns="" xmlns:a14="http://schemas.microsoft.com/office/drawing/2010/main" w="9525">
+              <a14:hiddenLine xmlns:a14="http://schemas.microsoft.com/office/drawing/2010/main" xmlns="" w="9525">
                 <a:solidFill>
                   <a:srgbClr val="000000"/>
                 </a:solidFill>
@@ -8798,14 +8797,14 @@
           </a:ln>
           <a:extLst>
             <a:ext uri="{909E8E84-426E-40DD-AFC4-6F175D3DCCD1}">
-              <a14:hiddenFill xmlns="" xmlns:a14="http://schemas.microsoft.com/office/drawing/2010/main">
+              <a14:hiddenFill xmlns:a14="http://schemas.microsoft.com/office/drawing/2010/main" xmlns="">
                 <a:solidFill>
                   <a:srgbClr val="FFFFFF"/>
                 </a:solidFill>
               </a14:hiddenFill>
             </a:ext>
             <a:ext uri="{91240B29-F687-4F45-9708-019B960494DF}">
-              <a14:hiddenLine xmlns="" xmlns:a14="http://schemas.microsoft.com/office/drawing/2010/main" w="9525">
+              <a14:hiddenLine xmlns:a14="http://schemas.microsoft.com/office/drawing/2010/main" xmlns="" w="9525">
                 <a:solidFill>
                   <a:srgbClr val="000000"/>
                 </a:solidFill>
@@ -9207,14 +9206,14 @@
           </a:ln>
           <a:extLst>
             <a:ext uri="{909E8E84-426E-40DD-AFC4-6F175D3DCCD1}">
-              <a14:hiddenFill xmlns="" xmlns:a14="http://schemas.microsoft.com/office/drawing/2010/main">
+              <a14:hiddenFill xmlns:a14="http://schemas.microsoft.com/office/drawing/2010/main" xmlns="">
                 <a:solidFill>
                   <a:srgbClr val="FFFFFF"/>
                 </a:solidFill>
               </a14:hiddenFill>
             </a:ext>
             <a:ext uri="{91240B29-F687-4F45-9708-019B960494DF}">
-              <a14:hiddenLine xmlns="" xmlns:a14="http://schemas.microsoft.com/office/drawing/2010/main" w="9525">
+              <a14:hiddenLine xmlns:a14="http://schemas.microsoft.com/office/drawing/2010/main" xmlns="" w="9525">
                 <a:solidFill>
                   <a:srgbClr val="000000"/>
                 </a:solidFill>
@@ -9292,28 +9291,14 @@
                 <a:latin typeface="標楷體" pitchFamily="65" charset="-120"/>
                 <a:ea typeface="標楷體" pitchFamily="65" charset="-120"/>
               </a:rPr>
-              <a:t>暴</a:t>
-            </a:r>
-            <a:r>
-              <a:rPr lang="zh-TW" altLang="en-US" dirty="0" smtClean="0">
-                <a:latin typeface="標楷體" pitchFamily="65" charset="-120"/>
-                <a:ea typeface="標楷體" pitchFamily="65" charset="-120"/>
-              </a:rPr>
-              <a:t>龍</a:t>
+              <a:t>暴龍</a:t>
             </a:r>
             <a:r>
               <a:rPr lang="en-US" altLang="zh-TW" dirty="0" smtClean="0">
                 <a:latin typeface="+mn-lt"/>
                 <a:ea typeface="標楷體" pitchFamily="65" charset="-120"/>
               </a:rPr>
-              <a:t>W</a:t>
-            </a:r>
-            <a:r>
-              <a:rPr lang="en-US" altLang="zh-TW" dirty="0" smtClean="0">
-                <a:latin typeface="+mn-lt"/>
-                <a:ea typeface="標楷體" pitchFamily="65" charset="-120"/>
-              </a:rPr>
-              <a:t>in </a:t>
+              <a:t>Win </a:t>
             </a:r>
             <a:endParaRPr lang="zh-TW" altLang="en-US" dirty="0">
               <a:latin typeface="+mn-lt"/>
